--- a/00 Presentations/09 ASP.NET Core Identity.pptx
+++ b/00 Presentations/09 ASP.NET Core Identity.pptx
@@ -5,48 +5,50 @@
     <p:sldMasterId id="2147483660" r:id="rId1"/>
   </p:sldMasterIdLst>
   <p:notesMasterIdLst>
-    <p:notesMasterId r:id="rId6"/>
+    <p:notesMasterId r:id="rId8"/>
   </p:notesMasterIdLst>
   <p:sldIdLst>
     <p:sldId id="338" r:id="rId2"/>
     <p:sldId id="527" r:id="rId3"/>
-    <p:sldId id="528" r:id="rId4"/>
-    <p:sldId id="520" r:id="rId5"/>
+    <p:sldId id="529" r:id="rId4"/>
+    <p:sldId id="530" r:id="rId5"/>
+    <p:sldId id="528" r:id="rId6"/>
+    <p:sldId id="520" r:id="rId7"/>
   </p:sldIdLst>
   <p:sldSz cx="12192000" cy="6858000"/>
   <p:notesSz cx="6858000" cy="9144000"/>
   <p:embeddedFontLst>
     <p:embeddedFont>
       <p:font typeface="Calibri" panose="020F0502020204030204" pitchFamily="34" charset="0"/>
-      <p:regular r:id="rId7"/>
-      <p:bold r:id="rId8"/>
-      <p:italic r:id="rId9"/>
-      <p:boldItalic r:id="rId10"/>
+      <p:regular r:id="rId9"/>
+      <p:bold r:id="rId10"/>
+      <p:italic r:id="rId11"/>
+      <p:boldItalic r:id="rId12"/>
     </p:embeddedFont>
     <p:embeddedFont>
       <p:font typeface="Corbel" panose="020B0503020204020204" pitchFamily="34" charset="0"/>
-      <p:regular r:id="rId11"/>
-      <p:bold r:id="rId12"/>
-      <p:italic r:id="rId13"/>
-      <p:boldItalic r:id="rId14"/>
+      <p:regular r:id="rId13"/>
+      <p:bold r:id="rId14"/>
+      <p:italic r:id="rId15"/>
+      <p:boldItalic r:id="rId16"/>
     </p:embeddedFont>
     <p:embeddedFont>
       <p:font typeface="Lato" panose="020B0604020202020204" charset="0"/>
-      <p:regular r:id="rId15"/>
-      <p:bold r:id="rId16"/>
-      <p:italic r:id="rId17"/>
-      <p:boldItalic r:id="rId18"/>
+      <p:regular r:id="rId17"/>
+      <p:bold r:id="rId18"/>
+      <p:italic r:id="rId19"/>
+      <p:boldItalic r:id="rId20"/>
     </p:embeddedFont>
     <p:embeddedFont>
       <p:font typeface="Montserrat" panose="020B0604020202020204" charset="-52"/>
-      <p:regular r:id="rId19"/>
-      <p:bold r:id="rId20"/>
-      <p:italic r:id="rId21"/>
-      <p:boldItalic r:id="rId22"/>
+      <p:regular r:id="rId21"/>
+      <p:bold r:id="rId22"/>
+      <p:italic r:id="rId23"/>
+      <p:boldItalic r:id="rId24"/>
     </p:embeddedFont>
     <p:embeddedFont>
       <p:font typeface="Wingdings 2" panose="05020102010507070707" pitchFamily="18" charset="2"/>
-      <p:regular r:id="rId23"/>
+      <p:regular r:id="rId25"/>
     </p:embeddedFont>
   </p:embeddedFontLst>
   <p:defaultTextStyle>
@@ -289,6 +291,8 @@
         </p14:section>
         <p14:section name="Content" id="{54F51BD7-9AD2-4B8E-8AA5-A47EB3FBBA1A}">
           <p14:sldIdLst>
+            <p14:sldId id="529"/>
+            <p14:sldId id="530"/>
             <p14:sldId id="528"/>
           </p14:sldIdLst>
         </p14:section>
@@ -9543,6 +9547,17 @@
           <a:bodyPr/>
           <a:lstStyle/>
           <a:p>
+            <a:r>
+              <a:rPr lang="en-US" sz="2800" dirty="0" err="1"/>
+              <a:t>IdentityUser</a:t>
+            </a:r>
+            <a:endParaRPr lang="bg-BG" sz="2800" dirty="0"/>
+          </a:p>
+          <a:p>
+            <a:r>
+              <a:rPr lang="en-US" sz="2800" dirty="0" err="1"/>
+              <a:t>IdentityDbContext</a:t>
+            </a:r>
             <a:endParaRPr lang="bg-BG" sz="2800" dirty="0"/>
           </a:p>
         </p:txBody>
@@ -9582,6 +9597,196 @@
           <p:cNvPr id="2" name="Title 1">
             <a:extLst>
               <a:ext uri="{FF2B5EF4-FFF2-40B4-BE49-F238E27FC236}">
+                <a16:creationId xmlns:a16="http://schemas.microsoft.com/office/drawing/2014/main" id="{AAB4FB66-1559-463E-B98B-2CEC57931881}"/>
+              </a:ext>
+            </a:extLst>
+          </p:cNvPr>
+          <p:cNvSpPr>
+            <a:spLocks noGrp="1"/>
+          </p:cNvSpPr>
+          <p:nvPr>
+            <p:ph type="title"/>
+          </p:nvPr>
+        </p:nvSpPr>
+        <p:spPr/>
+        <p:txBody>
+          <a:bodyPr/>
+          <a:lstStyle/>
+          <a:p>
+            <a:r>
+              <a:rPr lang="en-US" dirty="0" err="1"/>
+              <a:t>IdentityDbContext</a:t>
+            </a:r>
+            <a:r>
+              <a:rPr lang="en-US" dirty="0"/>
+              <a:t> Class</a:t>
+            </a:r>
+            <a:endParaRPr lang="bg-BG" dirty="0"/>
+          </a:p>
+        </p:txBody>
+      </p:sp>
+      <p:sp>
+        <p:nvSpPr>
+          <p:cNvPr id="3" name="Text Placeholder 2">
+            <a:extLst>
+              <a:ext uri="{FF2B5EF4-FFF2-40B4-BE49-F238E27FC236}">
+                <a16:creationId xmlns:a16="http://schemas.microsoft.com/office/drawing/2014/main" id="{966DA9F6-7E21-4B99-8D99-B388D5AB0C4A}"/>
+              </a:ext>
+            </a:extLst>
+          </p:cNvPr>
+          <p:cNvSpPr>
+            <a:spLocks noGrp="1"/>
+          </p:cNvSpPr>
+          <p:nvPr>
+            <p:ph type="body" idx="1"/>
+          </p:nvPr>
+        </p:nvSpPr>
+        <p:spPr/>
+        <p:txBody>
+          <a:bodyPr/>
+          <a:lstStyle/>
+          <a:p>
+            <a:r>
+              <a:rPr lang="en-US" dirty="0">
+                <a:hlinkClick r:id="rId2"/>
+              </a:rPr>
+              <a:t>https://docs.microsoft.com/en-us/dotnet/api/microsoft.aspnetcore.identity.entityframeworkcore.identitydbcontext?view=aspnetcore-5.0</a:t>
+            </a:r>
+            <a:r>
+              <a:rPr lang="bg-BG" dirty="0"/>
+              <a:t> </a:t>
+            </a:r>
+          </a:p>
+        </p:txBody>
+      </p:sp>
+    </p:spTree>
+    <p:extLst>
+      <p:ext uri="{BB962C8B-B14F-4D97-AF65-F5344CB8AC3E}">
+        <p14:creationId xmlns:p14="http://schemas.microsoft.com/office/powerpoint/2010/main" val="867027777"/>
+      </p:ext>
+    </p:extLst>
+  </p:cSld>
+  <p:clrMapOvr>
+    <a:masterClrMapping/>
+  </p:clrMapOvr>
+</p:sld>
+</file>
+
+<file path=ppt/slides/slide4.xml><?xml version="1.0" encoding="utf-8"?>
+<p:sld xmlns:a="http://schemas.openxmlformats.org/drawingml/2006/main" xmlns:r="http://schemas.openxmlformats.org/officeDocument/2006/relationships" xmlns:p="http://schemas.openxmlformats.org/presentationml/2006/main">
+  <p:cSld>
+    <p:spTree>
+      <p:nvGrpSpPr>
+        <p:cNvPr id="1" name=""/>
+        <p:cNvGrpSpPr/>
+        <p:nvPr/>
+      </p:nvGrpSpPr>
+      <p:grpSpPr>
+        <a:xfrm>
+          <a:off x="0" y="0"/>
+          <a:ext cx="0" cy="0"/>
+          <a:chOff x="0" y="0"/>
+          <a:chExt cx="0" cy="0"/>
+        </a:xfrm>
+      </p:grpSpPr>
+      <p:sp>
+        <p:nvSpPr>
+          <p:cNvPr id="2" name="Title 1">
+            <a:extLst>
+              <a:ext uri="{FF2B5EF4-FFF2-40B4-BE49-F238E27FC236}">
+                <a16:creationId xmlns:a16="http://schemas.microsoft.com/office/drawing/2014/main" id="{FCE376F8-55D4-4E80-9013-0251467EBFA7}"/>
+              </a:ext>
+            </a:extLst>
+          </p:cNvPr>
+          <p:cNvSpPr>
+            <a:spLocks noGrp="1"/>
+          </p:cNvSpPr>
+          <p:nvPr>
+            <p:ph type="title"/>
+          </p:nvPr>
+        </p:nvSpPr>
+        <p:spPr/>
+        <p:txBody>
+          <a:bodyPr/>
+          <a:lstStyle/>
+          <a:p>
+            <a:r>
+              <a:rPr lang="en-US" dirty="0" err="1"/>
+              <a:t>IdentityUser</a:t>
+            </a:r>
+            <a:endParaRPr lang="bg-BG" dirty="0"/>
+          </a:p>
+        </p:txBody>
+      </p:sp>
+      <p:sp>
+        <p:nvSpPr>
+          <p:cNvPr id="3" name="Text Placeholder 2">
+            <a:extLst>
+              <a:ext uri="{FF2B5EF4-FFF2-40B4-BE49-F238E27FC236}">
+                <a16:creationId xmlns:a16="http://schemas.microsoft.com/office/drawing/2014/main" id="{7E8B4FD0-08F4-47D9-8596-5515C48CF23A}"/>
+              </a:ext>
+            </a:extLst>
+          </p:cNvPr>
+          <p:cNvSpPr>
+            <a:spLocks noGrp="1"/>
+          </p:cNvSpPr>
+          <p:nvPr>
+            <p:ph type="body" idx="1"/>
+          </p:nvPr>
+        </p:nvSpPr>
+        <p:spPr/>
+        <p:txBody>
+          <a:bodyPr/>
+          <a:lstStyle/>
+          <a:p>
+            <a:r>
+              <a:rPr lang="en-US" dirty="0">
+                <a:hlinkClick r:id="rId2"/>
+              </a:rPr>
+              <a:t>https://docs.microsoft.com/en-us/dotnet/api/microsoft.aspnetcore.identity.identityuser-1?view=aspnetcore-5.0</a:t>
+            </a:r>
+            <a:r>
+              <a:rPr lang="bg-BG" dirty="0"/>
+              <a:t> </a:t>
+            </a:r>
+          </a:p>
+        </p:txBody>
+      </p:sp>
+    </p:spTree>
+    <p:extLst>
+      <p:ext uri="{BB962C8B-B14F-4D97-AF65-F5344CB8AC3E}">
+        <p14:creationId xmlns:p14="http://schemas.microsoft.com/office/powerpoint/2010/main" val="915871687"/>
+      </p:ext>
+    </p:extLst>
+  </p:cSld>
+  <p:clrMapOvr>
+    <a:masterClrMapping/>
+  </p:clrMapOvr>
+</p:sld>
+</file>
+
+<file path=ppt/slides/slide5.xml><?xml version="1.0" encoding="utf-8"?>
+<p:sld xmlns:a="http://schemas.openxmlformats.org/drawingml/2006/main" xmlns:r="http://schemas.openxmlformats.org/officeDocument/2006/relationships" xmlns:p="http://schemas.openxmlformats.org/presentationml/2006/main">
+  <p:cSld>
+    <p:spTree>
+      <p:nvGrpSpPr>
+        <p:cNvPr id="1" name=""/>
+        <p:cNvGrpSpPr/>
+        <p:nvPr/>
+      </p:nvGrpSpPr>
+      <p:grpSpPr>
+        <a:xfrm>
+          <a:off x="0" y="0"/>
+          <a:ext cx="0" cy="0"/>
+          <a:chOff x="0" y="0"/>
+          <a:chExt cx="0" cy="0"/>
+        </a:xfrm>
+      </p:grpSpPr>
+      <p:sp>
+        <p:nvSpPr>
+          <p:cNvPr id="2" name="Title 1">
+            <a:extLst>
+              <a:ext uri="{FF2B5EF4-FFF2-40B4-BE49-F238E27FC236}">
                 <a16:creationId xmlns:a16="http://schemas.microsoft.com/office/drawing/2014/main" id="{D9CEE143-9701-4FF8-B166-108E2C2ABBF4}"/>
               </a:ext>
             </a:extLst>
@@ -9598,6 +9803,10 @@
           <a:bodyPr/>
           <a:lstStyle/>
           <a:p>
+            <a:r>
+              <a:rPr lang="en-US"/>
+              <a:t>Example</a:t>
+            </a:r>
             <a:endParaRPr lang="bg-BG" dirty="0"/>
           </a:p>
         </p:txBody>
@@ -9623,7 +9832,16 @@
           <a:bodyPr/>
           <a:lstStyle/>
           <a:p>
-            <a:endParaRPr lang="bg-BG"/>
+            <a:r>
+              <a:rPr lang="en-US" dirty="0">
+                <a:hlinkClick r:id="rId2"/>
+              </a:rPr>
+              <a:t>https://www.tutorialspoint.com/asp.net_core/asp.net_core_identity_configuration.htm</a:t>
+            </a:r>
+            <a:r>
+              <a:rPr lang="bg-BG" dirty="0"/>
+              <a:t> </a:t>
+            </a:r>
           </a:p>
         </p:txBody>
       </p:sp>
@@ -9640,7 +9858,7 @@
 </p:sld>
 </file>
 
-<file path=ppt/slides/slide4.xml><?xml version="1.0" encoding="utf-8"?>
+<file path=ppt/slides/slide6.xml><?xml version="1.0" encoding="utf-8"?>
 <p:sld xmlns:a="http://schemas.openxmlformats.org/drawingml/2006/main" xmlns:r="http://schemas.openxmlformats.org/officeDocument/2006/relationships" xmlns:p="http://schemas.openxmlformats.org/presentationml/2006/main">
   <p:cSld>
     <p:spTree>

--- a/00 Presentations/09 ASP.NET Core Identity.pptx
+++ b/00 Presentations/09 ASP.NET Core Identity.pptx
@@ -33,7 +33,7 @@
       <p:boldItalic r:id="rId16"/>
     </p:embeddedFont>
     <p:embeddedFont>
-      <p:font typeface="Lato" panose="020B0604020202020204" charset="0"/>
+      <p:font typeface="Lato" panose="020F0502020204030203" pitchFamily="34" charset="0"/>
       <p:regular r:id="rId17"/>
       <p:bold r:id="rId18"/>
       <p:italic r:id="rId19"/>
@@ -9933,6 +9933,16 @@
             <a:endParaRPr lang="en-US" dirty="0"/>
           </a:p>
           <a:p>
+            <a:r>
+              <a:rPr lang="en-US">
+                <a:hlinkClick r:id="rId2"/>
+              </a:rPr>
+              <a:t>https://docs.microsoft.com/en-us/aspnet/core/security/authentication/social/?view=aspnetcore-5.0&amp;tabs=visual-studio</a:t>
+            </a:r>
+            <a:r>
+              <a:rPr lang="en-US"/>
+              <a:t> </a:t>
+            </a:r>
             <a:endParaRPr lang="bg-BG" dirty="0"/>
           </a:p>
         </p:txBody>
